--- a/docs/presentation.pptx
+++ b/docs/presentation.pptx
@@ -265,7 +265,7 @@
           <a:p>
             <a:fld id="{B3624C33-3508-411E-8000-50A519862E55}" type="datetimeFigureOut">
               <a:rPr lang="ru-RU" smtClean="0"/>
-              <a:t>18.04.2022</a:t>
+              <a:t>20.04.2022</a:t>
             </a:fld>
             <a:endParaRPr lang="ru-RU"/>
           </a:p>
@@ -463,7 +463,7 @@
           <a:p>
             <a:fld id="{B3624C33-3508-411E-8000-50A519862E55}" type="datetimeFigureOut">
               <a:rPr lang="ru-RU" smtClean="0"/>
-              <a:t>18.04.2022</a:t>
+              <a:t>20.04.2022</a:t>
             </a:fld>
             <a:endParaRPr lang="ru-RU"/>
           </a:p>
@@ -671,7 +671,7 @@
           <a:p>
             <a:fld id="{B3624C33-3508-411E-8000-50A519862E55}" type="datetimeFigureOut">
               <a:rPr lang="ru-RU" smtClean="0"/>
-              <a:t>18.04.2022</a:t>
+              <a:t>20.04.2022</a:t>
             </a:fld>
             <a:endParaRPr lang="ru-RU"/>
           </a:p>
@@ -839,7 +839,7 @@
           <a:effectLst/>
           <a:extLst>
             <a:ext uri="{91240B29-F687-4f45-9708-019B960494DF}">
-              <a14:hiddenLine xmlns="" xmlns:a14="http://schemas.microsoft.com/office/drawing/2010/main" w="9525">
+              <a14:hiddenLine xmlns:a14="http://schemas.microsoft.com/office/drawing/2010/main" xmlns="" w="9525">
                 <a:solidFill>
                   <a:srgbClr val="000000"/>
                 </a:solidFill>
@@ -1031,7 +1031,7 @@
           <a:p>
             <a:fld id="{B3624C33-3508-411E-8000-50A519862E55}" type="datetimeFigureOut">
               <a:rPr lang="ru-RU" smtClean="0"/>
-              <a:t>18.04.2022</a:t>
+              <a:t>20.04.2022</a:t>
             </a:fld>
             <a:endParaRPr lang="ru-RU"/>
           </a:p>
@@ -1186,7 +1186,7 @@
           <a:ln/>
           <a:extLst>
             <a:ext uri="{91240B29-F687-4f45-9708-019B960494DF}">
-              <a14:hiddenLine xmlns="" xmlns:a14="http://schemas.microsoft.com/office/drawing/2010/main" w="9525">
+              <a14:hiddenLine xmlns:a14="http://schemas.microsoft.com/office/drawing/2010/main" xmlns="" w="9525">
                 <a:solidFill>
                   <a:srgbClr val="000000"/>
                 </a:solidFill>
@@ -1314,7 +1314,7 @@
           <a:p>
             <a:fld id="{B3624C33-3508-411E-8000-50A519862E55}" type="datetimeFigureOut">
               <a:rPr lang="ru-RU" smtClean="0"/>
-              <a:t>18.04.2022</a:t>
+              <a:t>20.04.2022</a:t>
             </a:fld>
             <a:endParaRPr lang="ru-RU"/>
           </a:p>
@@ -1657,7 +1657,7 @@
           <a:p>
             <a:fld id="{B3624C33-3508-411E-8000-50A519862E55}" type="datetimeFigureOut">
               <a:rPr lang="ru-RU" smtClean="0"/>
-              <a:t>18.04.2022</a:t>
+              <a:t>20.04.2022</a:t>
             </a:fld>
             <a:endParaRPr lang="ru-RU"/>
           </a:p>
@@ -1812,7 +1812,7 @@
           <a:ln/>
           <a:extLst>
             <a:ext uri="{91240B29-F687-4f45-9708-019B960494DF}">
-              <a14:hiddenLine xmlns="" xmlns:a14="http://schemas.microsoft.com/office/drawing/2010/main" w="9525">
+              <a14:hiddenLine xmlns:a14="http://schemas.microsoft.com/office/drawing/2010/main" xmlns="" w="9525">
                 <a:solidFill>
                   <a:srgbClr val="000000"/>
                 </a:solidFill>
@@ -1996,7 +1996,7 @@
           <a:p>
             <a:fld id="{B3624C33-3508-411E-8000-50A519862E55}" type="datetimeFigureOut">
               <a:rPr lang="ru-RU" smtClean="0"/>
-              <a:t>18.04.2022</a:t>
+              <a:t>20.04.2022</a:t>
             </a:fld>
             <a:endParaRPr lang="ru-RU"/>
           </a:p>
@@ -2151,7 +2151,7 @@
           <a:ln/>
           <a:extLst>
             <a:ext uri="{91240B29-F687-4f45-9708-019B960494DF}">
-              <a14:hiddenLine xmlns="" xmlns:a14="http://schemas.microsoft.com/office/drawing/2010/main" w="9525">
+              <a14:hiddenLine xmlns:a14="http://schemas.microsoft.com/office/drawing/2010/main" xmlns="" w="9525">
                 <a:solidFill>
                   <a:srgbClr val="000000"/>
                 </a:solidFill>
@@ -2473,7 +2473,7 @@
           <a:p>
             <a:fld id="{B3624C33-3508-411E-8000-50A519862E55}" type="datetimeFigureOut">
               <a:rPr lang="ru-RU" smtClean="0"/>
-              <a:t>18.04.2022</a:t>
+              <a:t>20.04.2022</a:t>
             </a:fld>
             <a:endParaRPr lang="ru-RU"/>
           </a:p>
@@ -2628,7 +2628,7 @@
           <a:ln/>
           <a:extLst>
             <a:ext uri="{91240B29-F687-4f45-9708-019B960494DF}">
-              <a14:hiddenLine xmlns="" xmlns:a14="http://schemas.microsoft.com/office/drawing/2010/main" w="9525">
+              <a14:hiddenLine xmlns:a14="http://schemas.microsoft.com/office/drawing/2010/main" xmlns="" w="9525">
                 <a:solidFill>
                   <a:srgbClr val="000000"/>
                 </a:solidFill>
@@ -2694,7 +2694,7 @@
           <a:p>
             <a:fld id="{B3624C33-3508-411E-8000-50A519862E55}" type="datetimeFigureOut">
               <a:rPr lang="ru-RU" smtClean="0"/>
-              <a:t>18.04.2022</a:t>
+              <a:t>20.04.2022</a:t>
             </a:fld>
             <a:endParaRPr lang="ru-RU"/>
           </a:p>
@@ -2789,7 +2789,7 @@
           <a:p>
             <a:fld id="{B3624C33-3508-411E-8000-50A519862E55}" type="datetimeFigureOut">
               <a:rPr lang="ru-RU" smtClean="0"/>
-              <a:t>18.04.2022</a:t>
+              <a:t>20.04.2022</a:t>
             </a:fld>
             <a:endParaRPr lang="ru-RU"/>
           </a:p>
@@ -3057,7 +3057,7 @@
           <a:ln/>
           <a:extLst>
             <a:ext uri="{91240B29-F687-4f45-9708-019B960494DF}">
-              <a14:hiddenLine xmlns="" xmlns:a14="http://schemas.microsoft.com/office/drawing/2010/main" w="9525">
+              <a14:hiddenLine xmlns:a14="http://schemas.microsoft.com/office/drawing/2010/main" xmlns="" w="9525">
                 <a:solidFill>
                   <a:srgbClr val="000000"/>
                 </a:solidFill>
@@ -3256,7 +3256,7 @@
           <a:p>
             <a:fld id="{B3624C33-3508-411E-8000-50A519862E55}" type="datetimeFigureOut">
               <a:rPr lang="ru-RU" smtClean="0"/>
-              <a:t>18.04.2022</a:t>
+              <a:t>20.04.2022</a:t>
             </a:fld>
             <a:endParaRPr lang="ru-RU"/>
           </a:p>
@@ -3442,7 +3442,7 @@
           <a:p>
             <a:fld id="{B3624C33-3508-411E-8000-50A519862E55}" type="datetimeFigureOut">
               <a:rPr lang="ru-RU" smtClean="0"/>
-              <a:t>18.04.2022</a:t>
+              <a:t>20.04.2022</a:t>
             </a:fld>
             <a:endParaRPr lang="ru-RU"/>
           </a:p>
@@ -3767,7 +3767,7 @@
           <a:p>
             <a:fld id="{B3624C33-3508-411E-8000-50A519862E55}" type="datetimeFigureOut">
               <a:rPr lang="ru-RU" smtClean="0"/>
-              <a:t>18.04.2022</a:t>
+              <a:t>20.04.2022</a:t>
             </a:fld>
             <a:endParaRPr lang="ru-RU"/>
           </a:p>
@@ -4095,7 +4095,7 @@
           <a:p>
             <a:fld id="{B3624C33-3508-411E-8000-50A519862E55}" type="datetimeFigureOut">
               <a:rPr lang="ru-RU" smtClean="0"/>
-              <a:t>18.04.2022</a:t>
+              <a:t>20.04.2022</a:t>
             </a:fld>
             <a:endParaRPr lang="ru-RU"/>
           </a:p>
@@ -4583,7 +4583,7 @@
           <a:p>
             <a:fld id="{B3624C33-3508-411E-8000-50A519862E55}" type="datetimeFigureOut">
               <a:rPr lang="ru-RU" smtClean="0"/>
-              <a:t>18.04.2022</a:t>
+              <a:t>20.04.2022</a:t>
             </a:fld>
             <a:endParaRPr lang="ru-RU"/>
           </a:p>
@@ -4952,7 +4952,7 @@
           <a:p>
             <a:fld id="{B3624C33-3508-411E-8000-50A519862E55}" type="datetimeFigureOut">
               <a:rPr lang="ru-RU" smtClean="0"/>
-              <a:t>18.04.2022</a:t>
+              <a:t>20.04.2022</a:t>
             </a:fld>
             <a:endParaRPr lang="ru-RU"/>
           </a:p>
@@ -5107,7 +5107,7 @@
           <a:ln/>
           <a:extLst>
             <a:ext uri="{91240B29-F687-4f45-9708-019B960494DF}">
-              <a14:hiddenLine xmlns="" xmlns:a14="http://schemas.microsoft.com/office/drawing/2010/main" w="9525">
+              <a14:hiddenLine xmlns:a14="http://schemas.microsoft.com/office/drawing/2010/main" xmlns="" w="9525">
                 <a:solidFill>
                   <a:srgbClr val="000000"/>
                 </a:solidFill>
@@ -5225,7 +5225,7 @@
           <a:p>
             <a:fld id="{B3624C33-3508-411E-8000-50A519862E55}" type="datetimeFigureOut">
               <a:rPr lang="ru-RU" smtClean="0"/>
-              <a:t>18.04.2022</a:t>
+              <a:t>20.04.2022</a:t>
             </a:fld>
             <a:endParaRPr lang="ru-RU"/>
           </a:p>
@@ -5382,7 +5382,7 @@
           <a:ln/>
           <a:extLst>
             <a:ext uri="{91240B29-F687-4f45-9708-019B960494DF}">
-              <a14:hiddenLine xmlns="" xmlns:a14="http://schemas.microsoft.com/office/drawing/2010/main" w="9525">
+              <a14:hiddenLine xmlns:a14="http://schemas.microsoft.com/office/drawing/2010/main" xmlns="" w="9525">
                 <a:solidFill>
                   <a:srgbClr val="000000"/>
                 </a:solidFill>
@@ -5510,7 +5510,7 @@
           <a:p>
             <a:fld id="{B3624C33-3508-411E-8000-50A519862E55}" type="datetimeFigureOut">
               <a:rPr lang="ru-RU" smtClean="0"/>
-              <a:t>18.04.2022</a:t>
+              <a:t>20.04.2022</a:t>
             </a:fld>
             <a:endParaRPr lang="ru-RU"/>
           </a:p>
@@ -5773,7 +5773,7 @@
           <a:p>
             <a:fld id="{B3624C33-3508-411E-8000-50A519862E55}" type="datetimeFigureOut">
               <a:rPr lang="ru-RU" smtClean="0"/>
-              <a:t>18.04.2022</a:t>
+              <a:t>20.04.2022</a:t>
             </a:fld>
             <a:endParaRPr lang="ru-RU"/>
           </a:p>
@@ -6038,7 +6038,7 @@
           <a:p>
             <a:fld id="{B3624C33-3508-411E-8000-50A519862E55}" type="datetimeFigureOut">
               <a:rPr lang="ru-RU" smtClean="0"/>
-              <a:t>18.04.2022</a:t>
+              <a:t>20.04.2022</a:t>
             </a:fld>
             <a:endParaRPr lang="ru-RU"/>
           </a:p>
@@ -6450,7 +6450,7 @@
           <a:p>
             <a:fld id="{B3624C33-3508-411E-8000-50A519862E55}" type="datetimeFigureOut">
               <a:rPr lang="ru-RU" smtClean="0"/>
-              <a:t>18.04.2022</a:t>
+              <a:t>20.04.2022</a:t>
             </a:fld>
             <a:endParaRPr lang="ru-RU"/>
           </a:p>
@@ -6591,7 +6591,7 @@
           <a:p>
             <a:fld id="{B3624C33-3508-411E-8000-50A519862E55}" type="datetimeFigureOut">
               <a:rPr lang="ru-RU" smtClean="0"/>
-              <a:t>18.04.2022</a:t>
+              <a:t>20.04.2022</a:t>
             </a:fld>
             <a:endParaRPr lang="ru-RU"/>
           </a:p>
@@ -6704,7 +6704,7 @@
           <a:p>
             <a:fld id="{B3624C33-3508-411E-8000-50A519862E55}" type="datetimeFigureOut">
               <a:rPr lang="ru-RU" smtClean="0"/>
-              <a:t>18.04.2022</a:t>
+              <a:t>20.04.2022</a:t>
             </a:fld>
             <a:endParaRPr lang="ru-RU"/>
           </a:p>
@@ -7015,7 +7015,7 @@
           <a:p>
             <a:fld id="{B3624C33-3508-411E-8000-50A519862E55}" type="datetimeFigureOut">
               <a:rPr lang="ru-RU" smtClean="0"/>
-              <a:t>18.04.2022</a:t>
+              <a:t>20.04.2022</a:t>
             </a:fld>
             <a:endParaRPr lang="ru-RU"/>
           </a:p>
@@ -7303,7 +7303,7 @@
           <a:p>
             <a:fld id="{B3624C33-3508-411E-8000-50A519862E55}" type="datetimeFigureOut">
               <a:rPr lang="ru-RU" smtClean="0"/>
-              <a:t>18.04.2022</a:t>
+              <a:t>20.04.2022</a:t>
             </a:fld>
             <a:endParaRPr lang="ru-RU"/>
           </a:p>
@@ -7544,7 +7544,7 @@
           <a:p>
             <a:fld id="{B3624C33-3508-411E-8000-50A519862E55}" type="datetimeFigureOut">
               <a:rPr lang="ru-RU" smtClean="0"/>
-              <a:t>18.04.2022</a:t>
+              <a:t>20.04.2022</a:t>
             </a:fld>
             <a:endParaRPr lang="ru-RU"/>
           </a:p>
@@ -8143,7 +8143,7 @@
           <a:p>
             <a:fld id="{B3624C33-3508-411E-8000-50A519862E55}" type="datetimeFigureOut">
               <a:rPr lang="ru-RU" smtClean="0"/>
-              <a:t>18.04.2022</a:t>
+              <a:t>20.04.2022</a:t>
             </a:fld>
             <a:endParaRPr lang="ru-RU"/>
           </a:p>
@@ -8732,15 +8732,7 @@
           <a:p>
             <a:r>
               <a:rPr lang="ru-RU" dirty="0"/>
-              <a:t>Создать бот-магазин электронных товаров в </a:t>
-            </a:r>
-            <a:r>
-              <a:rPr lang="ru-RU" dirty="0" err="1"/>
-              <a:t>вк</a:t>
-            </a:r>
-            <a:r>
-              <a:rPr lang="ru-RU" dirty="0"/>
-              <a:t>.</a:t>
+              <a:t>Создать бот-магазин электронных товаров ВКонтакте. При этом разработать такой интерфейс, работать с которым будет удобно любому пользователю, а также минимизировать количество команд, которые нужно вводить текстом, используя клавиатуры.</a:t>
             </a:r>
           </a:p>
         </p:txBody>
@@ -9301,24 +9293,16 @@
               <a:t>api</a:t>
             </a:r>
             <a:r>
+              <a:rPr lang="ru-RU" dirty="0"/>
+              <a:t> ВКонтакте</a:t>
+            </a:r>
+            <a:r>
               <a:rPr lang="en-US" dirty="0"/>
-              <a:t> </a:t>
-            </a:r>
-            <a:r>
-              <a:rPr lang="ru-RU" dirty="0" err="1"/>
-              <a:t>вконтакте</a:t>
-            </a:r>
-            <a:r>
-              <a:rPr lang="en-US" dirty="0"/>
+              <a:t>, ORM Django</a:t>
+            </a:r>
+            <a:r>
+              <a:rPr lang="ru-RU" dirty="0"/>
               <a:t>, </a:t>
-            </a:r>
-            <a:r>
-              <a:rPr lang="en-US" dirty="0" err="1"/>
-              <a:t>django</a:t>
-            </a:r>
-            <a:r>
-              <a:rPr lang="ru-RU" dirty="0"/>
-              <a:t> и </a:t>
             </a:r>
             <a:r>
               <a:rPr lang="en-US" dirty="0" err="1"/>
@@ -9326,10 +9310,22 @@
             </a:r>
             <a:r>
               <a:rPr lang="ru-RU" dirty="0"/>
-              <a:t> для хранения информации о пользователях</a:t>
+              <a:t> (для хранения информации о пользователях и товарах во время разработки), </a:t>
             </a:r>
             <a:r>
               <a:rPr lang="en-US" dirty="0"/>
+              <a:t>PostgreSQL (</a:t>
+            </a:r>
+            <a:r>
+              <a:rPr lang="ru-RU" dirty="0"/>
+              <a:t>для хранения информации о пользователях и товарах на </a:t>
+            </a:r>
+            <a:r>
+              <a:rPr lang="ru-RU"/>
+              <a:t>боевой версии)</a:t>
+            </a:r>
+            <a:r>
+              <a:rPr lang="en-US"/>
               <a:t>, </a:t>
             </a:r>
             <a:r>
